--- a/Apresentação.pptx
+++ b/Apresentação.pptx
@@ -140,22 +140,30 @@
   <pc:docChgLst>
     <pc:chgData name="Robert Rossi Silva de Mesquita" userId="80f76f693f1d425a" providerId="LiveId" clId="{93067FFB-3232-44B5-BEC3-75D16C0816EC}"/>
     <pc:docChg chg="custSel addSld modSld">
-      <pc:chgData name="Robert Rossi Silva de Mesquita" userId="80f76f693f1d425a" providerId="LiveId" clId="{93067FFB-3232-44B5-BEC3-75D16C0816EC}" dt="2025-07-04T15:44:46.386" v="5" actId="1076"/>
+      <pc:chgData name="Robert Rossi Silva de Mesquita" userId="80f76f693f1d425a" providerId="LiveId" clId="{93067FFB-3232-44B5-BEC3-75D16C0816EC}" dt="2025-07-04T17:30:42.917" v="44" actId="404"/>
       <pc:docMkLst>
         <pc:docMk/>
       </pc:docMkLst>
       <pc:sldChg chg="modSp mod">
-        <pc:chgData name="Robert Rossi Silva de Mesquita" userId="80f76f693f1d425a" providerId="LiveId" clId="{93067FFB-3232-44B5-BEC3-75D16C0816EC}" dt="2025-07-04T15:40:41.094" v="1" actId="1076"/>
+        <pc:chgData name="Robert Rossi Silva de Mesquita" userId="80f76f693f1d425a" providerId="LiveId" clId="{93067FFB-3232-44B5-BEC3-75D16C0816EC}" dt="2025-07-04T15:59:49.984" v="9" actId="20577"/>
         <pc:sldMkLst>
           <pc:docMk/>
           <pc:sldMk cId="3327653810" sldId="275"/>
         </pc:sldMkLst>
         <pc:spChg chg="mod">
-          <ac:chgData name="Robert Rossi Silva de Mesquita" userId="80f76f693f1d425a" providerId="LiveId" clId="{93067FFB-3232-44B5-BEC3-75D16C0816EC}" dt="2025-07-04T15:40:41.094" v="1" actId="1076"/>
+          <ac:chgData name="Robert Rossi Silva de Mesquita" userId="80f76f693f1d425a" providerId="LiveId" clId="{93067FFB-3232-44B5-BEC3-75D16C0816EC}" dt="2025-07-04T15:59:49.984" v="9" actId="20577"/>
           <ac:spMkLst>
             <pc:docMk/>
             <pc:sldMk cId="3327653810" sldId="275"/>
             <ac:spMk id="3" creationId="{3957927B-5B5F-A960-A4FC-CE519FE225D0}"/>
+          </ac:spMkLst>
+        </pc:spChg>
+        <pc:spChg chg="mod">
+          <ac:chgData name="Robert Rossi Silva de Mesquita" userId="80f76f693f1d425a" providerId="LiveId" clId="{93067FFB-3232-44B5-BEC3-75D16C0816EC}" dt="2025-07-04T15:51:02.629" v="6" actId="20577"/>
+          <ac:spMkLst>
+            <pc:docMk/>
+            <pc:sldMk cId="3327653810" sldId="275"/>
+            <ac:spMk id="4" creationId="{CA6F5E69-3E5C-8259-E43A-665F97181957}"/>
           </ac:spMkLst>
         </pc:spChg>
       </pc:sldChg>
@@ -171,6 +179,21 @@
             <pc:docMk/>
             <pc:sldMk cId="3514213685" sldId="276"/>
             <ac:spMk id="3" creationId="{3957927B-5B5F-A960-A4FC-CE519FE225D0}"/>
+          </ac:spMkLst>
+        </pc:spChg>
+      </pc:sldChg>
+      <pc:sldChg chg="modSp mod">
+        <pc:chgData name="Robert Rossi Silva de Mesquita" userId="80f76f693f1d425a" providerId="LiveId" clId="{93067FFB-3232-44B5-BEC3-75D16C0816EC}" dt="2025-07-04T17:30:42.917" v="44" actId="404"/>
+        <pc:sldMkLst>
+          <pc:docMk/>
+          <pc:sldMk cId="1157944985" sldId="282"/>
+        </pc:sldMkLst>
+        <pc:spChg chg="mod">
+          <ac:chgData name="Robert Rossi Silva de Mesquita" userId="80f76f693f1d425a" providerId="LiveId" clId="{93067FFB-3232-44B5-BEC3-75D16C0816EC}" dt="2025-07-04T17:30:42.917" v="44" actId="404"/>
+          <ac:spMkLst>
+            <pc:docMk/>
+            <pc:sldMk cId="1157944985" sldId="282"/>
+            <ac:spMk id="2" creationId="{9610C943-3D1B-192A-2133-3B88564FB475}"/>
           </ac:spMkLst>
         </pc:spChg>
       </pc:sldChg>
@@ -9556,7 +9579,7 @@
             </a:pPr>
             <a:r>
               <a:rPr lang="pt-BR" sz="10800" dirty="0"/>
-              <a:t>Existem perfis distintos de ocorrências aeronáuticas que se agrupam segundo características da aeronave (como número de motores, peso e assentos), e esses perfis estão mais associados também a fatores contribuintes (humano, material, operacional e outros.) e fases de operação (pouso, decolagem, cruzeiro, manobra, </a:t>
+              <a:t>Existem perfis distintos de ocorrências aeronáuticas que se agrupam segundo características da aeronave (como número de motores, peso e assentos), fatores contribuintes (humano, material, operacional e outros.) e fases de operação (pouso, decolagem, cruzeiro, manobra, </a:t>
             </a:r>
             <a:r>
               <a:rPr lang="pt-BR" sz="10800" dirty="0" err="1"/>
@@ -9692,7 +9715,7 @@
                   <a:noFill/>
                 </a:ln>
               </a:rPr>
-              <a:t>Etapa 3- Hipóteses</a:t>
+              <a:t>Etapa 3- Hipótese</a:t>
             </a:r>
             <a:br>
               <a:rPr kumimoji="0" lang="pt-BR" altLang="pt-BR" sz="1400" b="0" i="0" u="none" strike="noStrike" cap="none" normalizeH="0" baseline="0" dirty="0">
@@ -11639,7 +11662,28 @@
               <a:rPr lang="pt-BR" sz="11200" dirty="0"/>
               <a:t>Essa segmentação evidenciou que diferentes perfis operacionais enfrentam riscos distintos, e que estratégias de prevenção genéricas podem ser ineficazes. Os resultados sugerem que ações personalizadas de mitigação, orientadas por dados, podem elevar significativamente a segurança operacional na aviação civil.</a:t>
             </a:r>
-            <a:endParaRPr lang="pt-BR" sz="10400" dirty="0"/>
+          </a:p>
+          <a:p>
+            <a:pPr algn="just"/>
+            <a:r>
+              <a:rPr lang="pt-BR" sz="4800" dirty="0"/>
+              <a:t>Repositório </a:t>
+            </a:r>
+            <a:r>
+              <a:rPr lang="pt-BR" sz="4800" dirty="0" err="1"/>
+              <a:t>Github</a:t>
+            </a:r>
+            <a:r>
+              <a:rPr lang="pt-BR" sz="4800" dirty="0"/>
+              <a:t>: </a:t>
+            </a:r>
+            <a:r>
+              <a:rPr lang="pt-BR" sz="4800" dirty="0">
+                <a:hlinkClick r:id="rId2"/>
+              </a:rPr>
+              <a:t>https://github.com/robertrossi/analise_de_acidentes_na_aviacao_brasileira</a:t>
+            </a:r>
+            <a:endParaRPr lang="pt-BR" sz="4800" dirty="0"/>
           </a:p>
           <a:p>
             <a:pPr marL="1143000" indent="-1143000" algn="just">
